--- a/brWheel_my/button_matrix_wiring_diagram.pptx
+++ b/brWheel_my/button_matrix_wiring_diagram.pptx
@@ -241,7 +241,7 @@
           <a:p>
             <a:fld id="{A398FB1A-F8C3-427F-BE44-B87966AC4D7F}" type="datetimeFigureOut">
               <a:rPr lang="en-US" smtClean="0"/>
-              <a:t>31-May-22</a:t>
+              <a:t>01-Jun-22</a:t>
             </a:fld>
             <a:endParaRPr lang="en-US"/>
           </a:p>
@@ -409,7 +409,7 @@
           <a:p>
             <a:fld id="{A398FB1A-F8C3-427F-BE44-B87966AC4D7F}" type="datetimeFigureOut">
               <a:rPr lang="en-US" smtClean="0"/>
-              <a:t>31-May-22</a:t>
+              <a:t>01-Jun-22</a:t>
             </a:fld>
             <a:endParaRPr lang="en-US"/>
           </a:p>
@@ -587,7 +587,7 @@
           <a:p>
             <a:fld id="{A398FB1A-F8C3-427F-BE44-B87966AC4D7F}" type="datetimeFigureOut">
               <a:rPr lang="en-US" smtClean="0"/>
-              <a:t>31-May-22</a:t>
+              <a:t>01-Jun-22</a:t>
             </a:fld>
             <a:endParaRPr lang="en-US"/>
           </a:p>
@@ -755,7 +755,7 @@
           <a:p>
             <a:fld id="{A398FB1A-F8C3-427F-BE44-B87966AC4D7F}" type="datetimeFigureOut">
               <a:rPr lang="en-US" smtClean="0"/>
-              <a:t>31-May-22</a:t>
+              <a:t>01-Jun-22</a:t>
             </a:fld>
             <a:endParaRPr lang="en-US"/>
           </a:p>
@@ -1000,7 +1000,7 @@
           <a:p>
             <a:fld id="{A398FB1A-F8C3-427F-BE44-B87966AC4D7F}" type="datetimeFigureOut">
               <a:rPr lang="en-US" smtClean="0"/>
-              <a:t>31-May-22</a:t>
+              <a:t>01-Jun-22</a:t>
             </a:fld>
             <a:endParaRPr lang="en-US"/>
           </a:p>
@@ -1229,7 +1229,7 @@
           <a:p>
             <a:fld id="{A398FB1A-F8C3-427F-BE44-B87966AC4D7F}" type="datetimeFigureOut">
               <a:rPr lang="en-US" smtClean="0"/>
-              <a:t>31-May-22</a:t>
+              <a:t>01-Jun-22</a:t>
             </a:fld>
             <a:endParaRPr lang="en-US"/>
           </a:p>
@@ -1593,7 +1593,7 @@
           <a:p>
             <a:fld id="{A398FB1A-F8C3-427F-BE44-B87966AC4D7F}" type="datetimeFigureOut">
               <a:rPr lang="en-US" smtClean="0"/>
-              <a:t>31-May-22</a:t>
+              <a:t>01-Jun-22</a:t>
             </a:fld>
             <a:endParaRPr lang="en-US"/>
           </a:p>
@@ -1710,7 +1710,7 @@
           <a:p>
             <a:fld id="{A398FB1A-F8C3-427F-BE44-B87966AC4D7F}" type="datetimeFigureOut">
               <a:rPr lang="en-US" smtClean="0"/>
-              <a:t>31-May-22</a:t>
+              <a:t>01-Jun-22</a:t>
             </a:fld>
             <a:endParaRPr lang="en-US"/>
           </a:p>
@@ -1805,7 +1805,7 @@
           <a:p>
             <a:fld id="{A398FB1A-F8C3-427F-BE44-B87966AC4D7F}" type="datetimeFigureOut">
               <a:rPr lang="en-US" smtClean="0"/>
-              <a:t>31-May-22</a:t>
+              <a:t>01-Jun-22</a:t>
             </a:fld>
             <a:endParaRPr lang="en-US"/>
           </a:p>
@@ -2080,7 +2080,7 @@
           <a:p>
             <a:fld id="{A398FB1A-F8C3-427F-BE44-B87966AC4D7F}" type="datetimeFigureOut">
               <a:rPr lang="en-US" smtClean="0"/>
-              <a:t>31-May-22</a:t>
+              <a:t>01-Jun-22</a:t>
             </a:fld>
             <a:endParaRPr lang="en-US"/>
           </a:p>
@@ -2332,7 +2332,7 @@
           <a:p>
             <a:fld id="{A398FB1A-F8C3-427F-BE44-B87966AC4D7F}" type="datetimeFigureOut">
               <a:rPr lang="en-US" smtClean="0"/>
-              <a:t>31-May-22</a:t>
+              <a:t>01-Jun-22</a:t>
             </a:fld>
             <a:endParaRPr lang="en-US"/>
           </a:p>
@@ -2543,7 +2543,7 @@
           <a:p>
             <a:fld id="{A398FB1A-F8C3-427F-BE44-B87966AC4D7F}" type="datetimeFigureOut">
               <a:rPr lang="en-US" smtClean="0"/>
-              <a:t>31-May-22</a:t>
+              <a:t>01-Jun-22</a:t>
             </a:fld>
             <a:endParaRPr lang="en-US"/>
           </a:p>
@@ -3011,81 +3011,9 @@
             <a:pPr algn="ctr"/>
             <a:r>
               <a:rPr lang="en-US" dirty="0" smtClean="0"/>
-              <a:t>Wiring diagram for 4x4 button matrix (only valid for firmware </a:t>
-            </a:r>
-            <a:r>
-              <a:rPr lang="en-US" dirty="0" smtClean="0"/>
-              <a:t>fw-vXX0 </a:t>
-            </a:r>
-            <a:r>
-              <a:rPr lang="en-US" dirty="0" smtClean="0"/>
-              <a:t>with “t” option)</a:t>
+              <a:t>Wiring diagram for 4x4 button matrix (only valid for firmware fw-vXX0 with “t” option)</a:t>
             </a:r>
             <a:endParaRPr lang="en-US" dirty="0"/>
-          </a:p>
-        </p:txBody>
-      </p:sp>
-      <p:sp>
-        <p:nvSpPr>
-          <p:cNvPr id="169" name="TextBox 168"/>
-          <p:cNvSpPr txBox="1"/>
-          <p:nvPr/>
-        </p:nvSpPr>
-        <p:spPr>
-          <a:xfrm>
-            <a:off x="9066068" y="1113671"/>
-            <a:ext cx="2495683" cy="1600438"/>
-          </a:xfrm>
-          <a:prstGeom prst="rect">
-            <a:avLst/>
-          </a:prstGeom>
-          <a:noFill/>
-        </p:spPr>
-        <p:txBody>
-          <a:bodyPr wrap="none" rtlCol="0">
-            <a:spAutoFit/>
-          </a:bodyPr>
-          <a:lstStyle/>
-          <a:p>
-            <a:r>
-              <a:rPr lang="en-US" sz="1400" i="1" dirty="0" smtClean="0"/>
-              <a:t>Firmware that has “h” option</a:t>
-            </a:r>
-          </a:p>
-          <a:p>
-            <a:r>
-              <a:rPr lang="en-US" sz="1400" i="1" dirty="0" smtClean="0"/>
-              <a:t>also supports a POV Hat switch:</a:t>
-            </a:r>
-            <a:endParaRPr lang="en-US" sz="1400" i="1" dirty="0" smtClean="0"/>
-          </a:p>
-          <a:p>
-            <a:endParaRPr lang="en-US" sz="1400" i="1" dirty="0" smtClean="0"/>
-          </a:p>
-          <a:p>
-            <a:r>
-              <a:rPr lang="en-US" sz="1400" i="1" dirty="0" smtClean="0"/>
-              <a:t>B0 - up</a:t>
-            </a:r>
-          </a:p>
-          <a:p>
-            <a:r>
-              <a:rPr lang="en-US" sz="1400" i="1" dirty="0" smtClean="0"/>
-              <a:t>B1 - right</a:t>
-            </a:r>
-          </a:p>
-          <a:p>
-            <a:r>
-              <a:rPr lang="en-US" sz="1400" i="1" dirty="0" smtClean="0"/>
-              <a:t>B2 - down</a:t>
-            </a:r>
-          </a:p>
-          <a:p>
-            <a:r>
-              <a:rPr lang="en-US" sz="1400" i="1" dirty="0" smtClean="0"/>
-              <a:t>B3 - left</a:t>
-            </a:r>
-            <a:endParaRPr lang="en-US" sz="1400" i="1" dirty="0"/>
           </a:p>
         </p:txBody>
       </p:sp>
@@ -3111,7 +3039,7 @@
         <p:spPr>
           <a:xfrm>
             <a:off x="5183103" y="732640"/>
-            <a:ext cx="3409059" cy="2688161"/>
+            <a:ext cx="3719915" cy="2933282"/>
           </a:xfrm>
           <a:prstGeom prst="rect">
             <a:avLst/>
@@ -3126,7 +3054,7 @@
         </p:nvSpPr>
         <p:spPr>
           <a:xfrm>
-            <a:off x="9066068" y="3666289"/>
+            <a:off x="9155080" y="3715751"/>
             <a:ext cx="1301447" cy="2862322"/>
           </a:xfrm>
           <a:prstGeom prst="rect">
@@ -3206,7 +3134,7 @@
         </p:nvSpPr>
         <p:spPr>
           <a:xfrm>
-            <a:off x="5339502" y="6285536"/>
+            <a:off x="5428514" y="6334998"/>
             <a:ext cx="3303981" cy="369332"/>
           </a:xfrm>
           <a:prstGeom prst="rect">
@@ -3249,7 +3177,7 @@
         </p:blipFill>
         <p:spPr>
           <a:xfrm>
-            <a:off x="5308969" y="3758012"/>
+            <a:off x="5397981" y="3807474"/>
             <a:ext cx="3365048" cy="2435434"/>
           </a:xfrm>
           <a:prstGeom prst="rect">
@@ -3279,220 +3207,14 @@
         </p:blipFill>
         <p:spPr>
           <a:xfrm rot="5400000">
-            <a:off x="350287" y="2024216"/>
-            <a:ext cx="4139681" cy="3284147"/>
+            <a:off x="218762" y="2070593"/>
+            <a:ext cx="4588484" cy="3640197"/>
           </a:xfrm>
           <a:prstGeom prst="rect">
             <a:avLst/>
           </a:prstGeom>
         </p:spPr>
       </p:pic>
-      <p:sp>
-        <p:nvSpPr>
-          <p:cNvPr id="12" name="Oval 11"/>
-          <p:cNvSpPr/>
-          <p:nvPr/>
-        </p:nvSpPr>
-        <p:spPr>
-          <a:xfrm>
-            <a:off x="10367515" y="1823986"/>
-            <a:ext cx="809203" cy="809203"/>
-          </a:xfrm>
-          <a:prstGeom prst="ellipse">
-            <a:avLst/>
-          </a:prstGeom>
-          <a:noFill/>
-          <a:ln>
-            <a:solidFill>
-              <a:schemeClr val="tx1"/>
-            </a:solidFill>
-          </a:ln>
-        </p:spPr>
-        <p:style>
-          <a:lnRef idx="2">
-            <a:schemeClr val="accent1">
-              <a:shade val="50000"/>
-            </a:schemeClr>
-          </a:lnRef>
-          <a:fillRef idx="1">
-            <a:schemeClr val="accent1"/>
-          </a:fillRef>
-          <a:effectRef idx="0">
-            <a:schemeClr val="accent1"/>
-          </a:effectRef>
-          <a:fontRef idx="minor">
-            <a:schemeClr val="lt1"/>
-          </a:fontRef>
-        </p:style>
-        <p:txBody>
-          <a:bodyPr rtlCol="0" anchor="ctr"/>
-          <a:lstStyle/>
-          <a:p>
-            <a:pPr algn="ctr"/>
-            <a:endParaRPr lang="en-US"/>
-          </a:p>
-        </p:txBody>
-      </p:sp>
-      <p:sp>
-        <p:nvSpPr>
-          <p:cNvPr id="13" name="Up Arrow 12"/>
-          <p:cNvSpPr/>
-          <p:nvPr/>
-        </p:nvSpPr>
-        <p:spPr>
-          <a:xfrm>
-            <a:off x="10641834" y="1658099"/>
-            <a:ext cx="260563" cy="234669"/>
-          </a:xfrm>
-          <a:prstGeom prst="upArrow">
-            <a:avLst/>
-          </a:prstGeom>
-        </p:spPr>
-        <p:style>
-          <a:lnRef idx="2">
-            <a:schemeClr val="accent6">
-              <a:shade val="50000"/>
-            </a:schemeClr>
-          </a:lnRef>
-          <a:fillRef idx="1">
-            <a:schemeClr val="accent6"/>
-          </a:fillRef>
-          <a:effectRef idx="0">
-            <a:schemeClr val="accent6"/>
-          </a:effectRef>
-          <a:fontRef idx="minor">
-            <a:schemeClr val="lt1"/>
-          </a:fontRef>
-        </p:style>
-        <p:txBody>
-          <a:bodyPr rtlCol="0" anchor="ctr"/>
-          <a:lstStyle/>
-          <a:p>
-            <a:pPr algn="ctr"/>
-            <a:endParaRPr lang="en-US"/>
-          </a:p>
-        </p:txBody>
-      </p:sp>
-      <p:sp>
-        <p:nvSpPr>
-          <p:cNvPr id="42" name="Up Arrow 41"/>
-          <p:cNvSpPr/>
-          <p:nvPr/>
-        </p:nvSpPr>
-        <p:spPr>
-          <a:xfrm rot="10800000">
-            <a:off x="10641834" y="2558976"/>
-            <a:ext cx="260563" cy="234669"/>
-          </a:xfrm>
-          <a:prstGeom prst="upArrow">
-            <a:avLst/>
-          </a:prstGeom>
-        </p:spPr>
-        <p:style>
-          <a:lnRef idx="2">
-            <a:schemeClr val="accent6">
-              <a:shade val="50000"/>
-            </a:schemeClr>
-          </a:lnRef>
-          <a:fillRef idx="1">
-            <a:schemeClr val="accent6"/>
-          </a:fillRef>
-          <a:effectRef idx="0">
-            <a:schemeClr val="accent6"/>
-          </a:effectRef>
-          <a:fontRef idx="minor">
-            <a:schemeClr val="lt1"/>
-          </a:fontRef>
-        </p:style>
-        <p:txBody>
-          <a:bodyPr rtlCol="0" anchor="ctr"/>
-          <a:lstStyle/>
-          <a:p>
-            <a:pPr algn="ctr"/>
-            <a:endParaRPr lang="en-US"/>
-          </a:p>
-        </p:txBody>
-      </p:sp>
-      <p:sp>
-        <p:nvSpPr>
-          <p:cNvPr id="43" name="Up Arrow 42"/>
-          <p:cNvSpPr/>
-          <p:nvPr/>
-        </p:nvSpPr>
-        <p:spPr>
-          <a:xfrm rot="5400000">
-            <a:off x="11074353" y="2125415"/>
-            <a:ext cx="260563" cy="234669"/>
-          </a:xfrm>
-          <a:prstGeom prst="upArrow">
-            <a:avLst/>
-          </a:prstGeom>
-        </p:spPr>
-        <p:style>
-          <a:lnRef idx="2">
-            <a:schemeClr val="accent6">
-              <a:shade val="50000"/>
-            </a:schemeClr>
-          </a:lnRef>
-          <a:fillRef idx="1">
-            <a:schemeClr val="accent6"/>
-          </a:fillRef>
-          <a:effectRef idx="0">
-            <a:schemeClr val="accent6"/>
-          </a:effectRef>
-          <a:fontRef idx="minor">
-            <a:schemeClr val="lt1"/>
-          </a:fontRef>
-        </p:style>
-        <p:txBody>
-          <a:bodyPr rtlCol="0" anchor="ctr"/>
-          <a:lstStyle/>
-          <a:p>
-            <a:pPr algn="ctr"/>
-            <a:endParaRPr lang="en-US"/>
-          </a:p>
-        </p:txBody>
-      </p:sp>
-      <p:sp>
-        <p:nvSpPr>
-          <p:cNvPr id="44" name="Up Arrow 43"/>
-          <p:cNvSpPr/>
-          <p:nvPr/>
-        </p:nvSpPr>
-        <p:spPr>
-          <a:xfrm rot="16200000">
-            <a:off x="10209848" y="2108108"/>
-            <a:ext cx="260563" cy="234669"/>
-          </a:xfrm>
-          <a:prstGeom prst="upArrow">
-            <a:avLst/>
-          </a:prstGeom>
-        </p:spPr>
-        <p:style>
-          <a:lnRef idx="2">
-            <a:schemeClr val="accent6">
-              <a:shade val="50000"/>
-            </a:schemeClr>
-          </a:lnRef>
-          <a:fillRef idx="1">
-            <a:schemeClr val="accent6"/>
-          </a:fillRef>
-          <a:effectRef idx="0">
-            <a:schemeClr val="accent6"/>
-          </a:effectRef>
-          <a:fontRef idx="minor">
-            <a:schemeClr val="lt1"/>
-          </a:fontRef>
-        </p:style>
-        <p:txBody>
-          <a:bodyPr rtlCol="0" anchor="ctr"/>
-          <a:lstStyle/>
-          <a:p>
-            <a:pPr algn="ctr"/>
-            <a:endParaRPr lang="en-US"/>
-          </a:p>
-        </p:txBody>
-      </p:sp>
     </p:spTree>
     <p:extLst>
       <p:ext uri="{BB962C8B-B14F-4D97-AF65-F5344CB8AC3E}">

--- a/brWheel_my/button_matrix_wiring_diagram.pptx
+++ b/brWheel_my/button_matrix_wiring_diagram.pptx
@@ -241,7 +241,7 @@
           <a:p>
             <a:fld id="{A398FB1A-F8C3-427F-BE44-B87966AC4D7F}" type="datetimeFigureOut">
               <a:rPr lang="en-US" smtClean="0"/>
-              <a:t>01-Jun-22</a:t>
+              <a:t>03-Jun-22</a:t>
             </a:fld>
             <a:endParaRPr lang="en-US"/>
           </a:p>
@@ -409,7 +409,7 @@
           <a:p>
             <a:fld id="{A398FB1A-F8C3-427F-BE44-B87966AC4D7F}" type="datetimeFigureOut">
               <a:rPr lang="en-US" smtClean="0"/>
-              <a:t>01-Jun-22</a:t>
+              <a:t>03-Jun-22</a:t>
             </a:fld>
             <a:endParaRPr lang="en-US"/>
           </a:p>
@@ -587,7 +587,7 @@
           <a:p>
             <a:fld id="{A398FB1A-F8C3-427F-BE44-B87966AC4D7F}" type="datetimeFigureOut">
               <a:rPr lang="en-US" smtClean="0"/>
-              <a:t>01-Jun-22</a:t>
+              <a:t>03-Jun-22</a:t>
             </a:fld>
             <a:endParaRPr lang="en-US"/>
           </a:p>
@@ -755,7 +755,7 @@
           <a:p>
             <a:fld id="{A398FB1A-F8C3-427F-BE44-B87966AC4D7F}" type="datetimeFigureOut">
               <a:rPr lang="en-US" smtClean="0"/>
-              <a:t>01-Jun-22</a:t>
+              <a:t>03-Jun-22</a:t>
             </a:fld>
             <a:endParaRPr lang="en-US"/>
           </a:p>
@@ -1000,7 +1000,7 @@
           <a:p>
             <a:fld id="{A398FB1A-F8C3-427F-BE44-B87966AC4D7F}" type="datetimeFigureOut">
               <a:rPr lang="en-US" smtClean="0"/>
-              <a:t>01-Jun-22</a:t>
+              <a:t>03-Jun-22</a:t>
             </a:fld>
             <a:endParaRPr lang="en-US"/>
           </a:p>
@@ -1229,7 +1229,7 @@
           <a:p>
             <a:fld id="{A398FB1A-F8C3-427F-BE44-B87966AC4D7F}" type="datetimeFigureOut">
               <a:rPr lang="en-US" smtClean="0"/>
-              <a:t>01-Jun-22</a:t>
+              <a:t>03-Jun-22</a:t>
             </a:fld>
             <a:endParaRPr lang="en-US"/>
           </a:p>
@@ -1593,7 +1593,7 @@
           <a:p>
             <a:fld id="{A398FB1A-F8C3-427F-BE44-B87966AC4D7F}" type="datetimeFigureOut">
               <a:rPr lang="en-US" smtClean="0"/>
-              <a:t>01-Jun-22</a:t>
+              <a:t>03-Jun-22</a:t>
             </a:fld>
             <a:endParaRPr lang="en-US"/>
           </a:p>
@@ -1710,7 +1710,7 @@
           <a:p>
             <a:fld id="{A398FB1A-F8C3-427F-BE44-B87966AC4D7F}" type="datetimeFigureOut">
               <a:rPr lang="en-US" smtClean="0"/>
-              <a:t>01-Jun-22</a:t>
+              <a:t>03-Jun-22</a:t>
             </a:fld>
             <a:endParaRPr lang="en-US"/>
           </a:p>
@@ -1805,7 +1805,7 @@
           <a:p>
             <a:fld id="{A398FB1A-F8C3-427F-BE44-B87966AC4D7F}" type="datetimeFigureOut">
               <a:rPr lang="en-US" smtClean="0"/>
-              <a:t>01-Jun-22</a:t>
+              <a:t>03-Jun-22</a:t>
             </a:fld>
             <a:endParaRPr lang="en-US"/>
           </a:p>
@@ -2080,7 +2080,7 @@
           <a:p>
             <a:fld id="{A398FB1A-F8C3-427F-BE44-B87966AC4D7F}" type="datetimeFigureOut">
               <a:rPr lang="en-US" smtClean="0"/>
-              <a:t>01-Jun-22</a:t>
+              <a:t>03-Jun-22</a:t>
             </a:fld>
             <a:endParaRPr lang="en-US"/>
           </a:p>
@@ -2332,7 +2332,7 @@
           <a:p>
             <a:fld id="{A398FB1A-F8C3-427F-BE44-B87966AC4D7F}" type="datetimeFigureOut">
               <a:rPr lang="en-US" smtClean="0"/>
-              <a:t>01-Jun-22</a:t>
+              <a:t>03-Jun-22</a:t>
             </a:fld>
             <a:endParaRPr lang="en-US"/>
           </a:p>
@@ -2543,7 +2543,7 @@
           <a:p>
             <a:fld id="{A398FB1A-F8C3-427F-BE44-B87966AC4D7F}" type="datetimeFigureOut">
               <a:rPr lang="en-US" smtClean="0"/>
-              <a:t>01-Jun-22</a:t>
+              <a:t>03-Jun-22</a:t>
             </a:fld>
             <a:endParaRPr lang="en-US"/>
           </a:p>
@@ -3038,8 +3038,8 @@
         </p:blipFill>
         <p:spPr>
           <a:xfrm>
-            <a:off x="5183103" y="732640"/>
-            <a:ext cx="3719915" cy="2933282"/>
+            <a:off x="5148034" y="679789"/>
+            <a:ext cx="3800662" cy="2996954"/>
           </a:xfrm>
           <a:prstGeom prst="rect">
             <a:avLst/>
@@ -3215,6 +3215,356 @@
           </a:prstGeom>
         </p:spPr>
       </p:pic>
+      <p:sp>
+        <p:nvSpPr>
+          <p:cNvPr id="2" name="Oval 1"/>
+          <p:cNvSpPr/>
+          <p:nvPr/>
+        </p:nvSpPr>
+        <p:spPr>
+          <a:xfrm>
+            <a:off x="9422769" y="2236960"/>
+            <a:ext cx="857756" cy="833587"/>
+          </a:xfrm>
+          <a:prstGeom prst="ellipse">
+            <a:avLst/>
+          </a:prstGeom>
+          <a:noFill/>
+          <a:ln>
+            <a:solidFill>
+              <a:schemeClr val="tx1"/>
+            </a:solidFill>
+          </a:ln>
+        </p:spPr>
+        <p:style>
+          <a:lnRef idx="2">
+            <a:schemeClr val="accent1">
+              <a:shade val="50000"/>
+            </a:schemeClr>
+          </a:lnRef>
+          <a:fillRef idx="1">
+            <a:schemeClr val="accent1"/>
+          </a:fillRef>
+          <a:effectRef idx="0">
+            <a:schemeClr val="accent1"/>
+          </a:effectRef>
+          <a:fontRef idx="minor">
+            <a:schemeClr val="lt1"/>
+          </a:fontRef>
+        </p:style>
+        <p:txBody>
+          <a:bodyPr rtlCol="0" anchor="ctr"/>
+          <a:lstStyle/>
+          <a:p>
+            <a:pPr algn="ctr"/>
+            <a:endParaRPr lang="en-US"/>
+          </a:p>
+        </p:txBody>
+      </p:sp>
+      <p:sp>
+        <p:nvSpPr>
+          <p:cNvPr id="3" name="Up Arrow 2"/>
+          <p:cNvSpPr/>
+          <p:nvPr/>
+        </p:nvSpPr>
+        <p:spPr>
+          <a:xfrm>
+            <a:off x="9701943" y="2052610"/>
+            <a:ext cx="299406" cy="278864"/>
+          </a:xfrm>
+          <a:prstGeom prst="upArrow">
+            <a:avLst/>
+          </a:prstGeom>
+        </p:spPr>
+        <p:style>
+          <a:lnRef idx="2">
+            <a:schemeClr val="accent6">
+              <a:shade val="50000"/>
+            </a:schemeClr>
+          </a:lnRef>
+          <a:fillRef idx="1">
+            <a:schemeClr val="accent6"/>
+          </a:fillRef>
+          <a:effectRef idx="0">
+            <a:schemeClr val="accent6"/>
+          </a:effectRef>
+          <a:fontRef idx="minor">
+            <a:schemeClr val="lt1"/>
+          </a:fontRef>
+        </p:style>
+        <p:txBody>
+          <a:bodyPr rtlCol="0" anchor="ctr"/>
+          <a:lstStyle/>
+          <a:p>
+            <a:pPr algn="ctr"/>
+            <a:endParaRPr lang="en-US"/>
+          </a:p>
+        </p:txBody>
+      </p:sp>
+      <p:sp>
+        <p:nvSpPr>
+          <p:cNvPr id="4" name="Oval 3"/>
+          <p:cNvSpPr/>
+          <p:nvPr/>
+        </p:nvSpPr>
+        <p:spPr>
+          <a:xfrm>
+            <a:off x="9774772" y="2576878"/>
+            <a:ext cx="153749" cy="153749"/>
+          </a:xfrm>
+          <a:prstGeom prst="ellipse">
+            <a:avLst/>
+          </a:prstGeom>
+          <a:solidFill>
+            <a:srgbClr val="FF0000"/>
+          </a:solidFill>
+          <a:ln>
+            <a:solidFill>
+              <a:schemeClr val="tx1"/>
+            </a:solidFill>
+          </a:ln>
+        </p:spPr>
+        <p:style>
+          <a:lnRef idx="2">
+            <a:schemeClr val="accent1">
+              <a:shade val="50000"/>
+            </a:schemeClr>
+          </a:lnRef>
+          <a:fillRef idx="1">
+            <a:schemeClr val="accent1"/>
+          </a:fillRef>
+          <a:effectRef idx="0">
+            <a:schemeClr val="accent1"/>
+          </a:effectRef>
+          <a:fontRef idx="minor">
+            <a:schemeClr val="lt1"/>
+          </a:fontRef>
+        </p:style>
+        <p:txBody>
+          <a:bodyPr rtlCol="0" anchor="ctr"/>
+          <a:lstStyle/>
+          <a:p>
+            <a:pPr algn="ctr"/>
+            <a:endParaRPr lang="en-US"/>
+          </a:p>
+        </p:txBody>
+      </p:sp>
+      <p:sp>
+        <p:nvSpPr>
+          <p:cNvPr id="12" name="Up Arrow 11"/>
+          <p:cNvSpPr/>
+          <p:nvPr/>
+        </p:nvSpPr>
+        <p:spPr>
+          <a:xfrm rot="10800000">
+            <a:off x="9701943" y="2976031"/>
+            <a:ext cx="299406" cy="278864"/>
+          </a:xfrm>
+          <a:prstGeom prst="upArrow">
+            <a:avLst/>
+          </a:prstGeom>
+        </p:spPr>
+        <p:style>
+          <a:lnRef idx="2">
+            <a:schemeClr val="accent6">
+              <a:shade val="50000"/>
+            </a:schemeClr>
+          </a:lnRef>
+          <a:fillRef idx="1">
+            <a:schemeClr val="accent6"/>
+          </a:fillRef>
+          <a:effectRef idx="0">
+            <a:schemeClr val="accent6"/>
+          </a:effectRef>
+          <a:fontRef idx="minor">
+            <a:schemeClr val="lt1"/>
+          </a:fontRef>
+        </p:style>
+        <p:txBody>
+          <a:bodyPr rtlCol="0" anchor="ctr"/>
+          <a:lstStyle/>
+          <a:p>
+            <a:pPr algn="ctr"/>
+            <a:endParaRPr lang="en-US"/>
+          </a:p>
+        </p:txBody>
+      </p:sp>
+      <p:sp>
+        <p:nvSpPr>
+          <p:cNvPr id="13" name="Up Arrow 12"/>
+          <p:cNvSpPr/>
+          <p:nvPr/>
+        </p:nvSpPr>
+        <p:spPr>
+          <a:xfrm rot="16200000">
+            <a:off x="9230862" y="2514320"/>
+            <a:ext cx="299406" cy="278864"/>
+          </a:xfrm>
+          <a:prstGeom prst="upArrow">
+            <a:avLst/>
+          </a:prstGeom>
+        </p:spPr>
+        <p:style>
+          <a:lnRef idx="2">
+            <a:schemeClr val="accent6">
+              <a:shade val="50000"/>
+            </a:schemeClr>
+          </a:lnRef>
+          <a:fillRef idx="1">
+            <a:schemeClr val="accent6"/>
+          </a:fillRef>
+          <a:effectRef idx="0">
+            <a:schemeClr val="accent6"/>
+          </a:effectRef>
+          <a:fontRef idx="minor">
+            <a:schemeClr val="lt1"/>
+          </a:fontRef>
+        </p:style>
+        <p:txBody>
+          <a:bodyPr rtlCol="0" anchor="ctr"/>
+          <a:lstStyle/>
+          <a:p>
+            <a:pPr algn="ctr"/>
+            <a:endParaRPr lang="en-US"/>
+          </a:p>
+        </p:txBody>
+      </p:sp>
+      <p:sp>
+        <p:nvSpPr>
+          <p:cNvPr id="14" name="Up Arrow 13"/>
+          <p:cNvSpPr/>
+          <p:nvPr/>
+        </p:nvSpPr>
+        <p:spPr>
+          <a:xfrm rot="5400000">
+            <a:off x="10167392" y="2535898"/>
+            <a:ext cx="299406" cy="278864"/>
+          </a:xfrm>
+          <a:prstGeom prst="upArrow">
+            <a:avLst/>
+          </a:prstGeom>
+        </p:spPr>
+        <p:style>
+          <a:lnRef idx="2">
+            <a:schemeClr val="accent6">
+              <a:shade val="50000"/>
+            </a:schemeClr>
+          </a:lnRef>
+          <a:fillRef idx="1">
+            <a:schemeClr val="accent6"/>
+          </a:fillRef>
+          <a:effectRef idx="0">
+            <a:schemeClr val="accent6"/>
+          </a:effectRef>
+          <a:fontRef idx="minor">
+            <a:schemeClr val="lt1"/>
+          </a:fontRef>
+        </p:style>
+        <p:txBody>
+          <a:bodyPr rtlCol="0" anchor="ctr"/>
+          <a:lstStyle/>
+          <a:p>
+            <a:pPr algn="ctr"/>
+            <a:endParaRPr lang="en-US"/>
+          </a:p>
+        </p:txBody>
+      </p:sp>
+      <p:sp>
+        <p:nvSpPr>
+          <p:cNvPr id="8" name="TextBox 7"/>
+          <p:cNvSpPr txBox="1"/>
+          <p:nvPr/>
+        </p:nvSpPr>
+        <p:spPr>
+          <a:xfrm>
+            <a:off x="9100200" y="1037124"/>
+            <a:ext cx="2647200" cy="923330"/>
+          </a:xfrm>
+          <a:prstGeom prst="rect">
+            <a:avLst/>
+          </a:prstGeom>
+          <a:noFill/>
+        </p:spPr>
+        <p:txBody>
+          <a:bodyPr wrap="none" rtlCol="0">
+            <a:spAutoFit/>
+          </a:bodyPr>
+          <a:lstStyle/>
+          <a:p>
+            <a:r>
+              <a:rPr lang="en-US" dirty="0" smtClean="0"/>
+              <a:t>Firmware with “h” option</a:t>
+            </a:r>
+          </a:p>
+          <a:p>
+            <a:r>
+              <a:rPr lang="en-US" dirty="0" smtClean="0"/>
+              <a:t>has </a:t>
+            </a:r>
+            <a:r>
+              <a:rPr lang="en-US" dirty="0"/>
+              <a:t>hat switch </a:t>
+            </a:r>
+            <a:r>
+              <a:rPr lang="en-US" dirty="0" smtClean="0"/>
+              <a:t>support on</a:t>
+            </a:r>
+          </a:p>
+          <a:p>
+            <a:r>
+              <a:rPr lang="en-US" dirty="0" smtClean="0"/>
+              <a:t>matrix buttons B0-B3:</a:t>
+            </a:r>
+          </a:p>
+        </p:txBody>
+      </p:sp>
+      <p:sp>
+        <p:nvSpPr>
+          <p:cNvPr id="15" name="TextBox 14"/>
+          <p:cNvSpPr txBox="1"/>
+          <p:nvPr/>
+        </p:nvSpPr>
+        <p:spPr>
+          <a:xfrm>
+            <a:off x="10572962" y="2075165"/>
+            <a:ext cx="1132746" cy="1200329"/>
+          </a:xfrm>
+          <a:prstGeom prst="rect">
+            <a:avLst/>
+          </a:prstGeom>
+          <a:noFill/>
+        </p:spPr>
+        <p:txBody>
+          <a:bodyPr wrap="none" rtlCol="0">
+            <a:spAutoFit/>
+          </a:bodyPr>
+          <a:lstStyle/>
+          <a:p>
+            <a:r>
+              <a:rPr lang="en-US" dirty="0" smtClean="0"/>
+              <a:t>B0 - up</a:t>
+            </a:r>
+          </a:p>
+          <a:p>
+            <a:r>
+              <a:rPr lang="en-US" dirty="0" smtClean="0"/>
+              <a:t>B1 - right</a:t>
+            </a:r>
+          </a:p>
+          <a:p>
+            <a:r>
+              <a:rPr lang="en-US" dirty="0" smtClean="0"/>
+              <a:t>B2 - down</a:t>
+            </a:r>
+          </a:p>
+          <a:p>
+            <a:r>
+              <a:rPr lang="en-US" dirty="0" smtClean="0"/>
+              <a:t>B3 - left</a:t>
+            </a:r>
+          </a:p>
+        </p:txBody>
+      </p:sp>
     </p:spTree>
     <p:extLst>
       <p:ext uri="{BB962C8B-B14F-4D97-AF65-F5344CB8AC3E}">
